--- a/SendMySearch.pptx
+++ b/SendMySearch.pptx
@@ -12,7 +12,6 @@
     <p:sldId id="258" r:id="rId6"/>
     <p:sldId id="259" r:id="rId7"/>
     <p:sldId id="260" r:id="rId8"/>
-    <p:sldId id="261" r:id="rId9"/>
   </p:sldIdLst>
   <p:sldSz cx="12192000" cy="6858000"/>
   <p:notesSz cx="6858000" cy="9144000"/>
@@ -112,10 +111,6 @@
     </a:lvl9pPr>
   </p:defaultTextStyle>
 </p:presentation>
-</file>
-
-<file path=ppt/revisionInfo.xml><?xml version="1.0" encoding="utf-8"?>
-<p1510:revInfo xmlns:a="http://schemas.openxmlformats.org/drawingml/2006/main" xmlns:r="http://schemas.openxmlformats.org/officeDocument/2006/relationships" xmlns:p1510="http://schemas.microsoft.com/office/powerpoint/2015/10/main"/>
 </file>
 
 <file path=ppt/slideLayouts/slideLayout1.xml><?xml version="1.0" encoding="utf-8"?>
@@ -6871,93 +6866,91 @@
           </a:prstGeom>
         </p:spPr>
       </p:pic>
+      <p:pic>
+        <p:nvPicPr>
+          <p:cNvPr id="2050" name="Picture 2" descr="demo.PNG">
+            <a:extLst>
+              <a:ext uri="{FF2B5EF4-FFF2-40B4-BE49-F238E27FC236}">
+                <a16:creationId xmlns:a16="http://schemas.microsoft.com/office/drawing/2014/main" id="{8C2DA515-6402-47B3-96FC-E368CE77334C}"/>
+              </a:ext>
+            </a:extLst>
+          </p:cNvPr>
+          <p:cNvPicPr>
+            <a:picLocks noChangeAspect="1" noChangeArrowheads="1"/>
+          </p:cNvPicPr>
+          <p:nvPr/>
+        </p:nvPicPr>
+        <p:blipFill rotWithShape="1">
+          <a:blip r:embed="rId3">
+            <a:extLst>
+              <a:ext uri="{28A0092B-C50C-407E-A947-70E740481C1C}">
+                <a14:useLocalDpi xmlns:a14="http://schemas.microsoft.com/office/drawing/2010/main" val="0"/>
+              </a:ext>
+            </a:extLst>
+          </a:blip>
+          <a:srcRect t="3668"/>
+          <a:stretch/>
+        </p:blipFill>
+        <p:spPr bwMode="auto">
+          <a:xfrm>
+            <a:off x="6364519" y="4057534"/>
+            <a:ext cx="4467225" cy="2376488"/>
+          </a:xfrm>
+          <a:prstGeom prst="rect">
+            <a:avLst/>
+          </a:prstGeom>
+          <a:noFill/>
+          <a:extLst>
+            <a:ext uri="{909E8E84-426E-40DD-AFC4-6F175D3DCCD1}">
+              <a14:hiddenFill xmlns:a14="http://schemas.microsoft.com/office/drawing/2010/main">
+                <a:solidFill>
+                  <a:srgbClr val="FFFFFF"/>
+                </a:solidFill>
+              </a14:hiddenFill>
+            </a:ext>
+          </a:extLst>
+        </p:spPr>
+      </p:pic>
+      <p:pic>
+        <p:nvPicPr>
+          <p:cNvPr id="8" name="Picture 7">
+            <a:extLst>
+              <a:ext uri="{FF2B5EF4-FFF2-40B4-BE49-F238E27FC236}">
+                <a16:creationId xmlns:a16="http://schemas.microsoft.com/office/drawing/2014/main" id="{F6FD6F87-9BFF-45EB-A901-6E7EB68C2B09}"/>
+              </a:ext>
+            </a:extLst>
+          </p:cNvPr>
+          <p:cNvPicPr>
+            <a:picLocks noChangeAspect="1"/>
+          </p:cNvPicPr>
+          <p:nvPr/>
+        </p:nvPicPr>
+        <p:blipFill>
+          <a:blip r:embed="rId4">
+            <a:extLst>
+              <a:ext uri="{28A0092B-C50C-407E-A947-70E740481C1C}">
+                <a14:useLocalDpi xmlns:a14="http://schemas.microsoft.com/office/drawing/2010/main" val="0"/>
+              </a:ext>
+            </a:extLst>
+          </a:blip>
+          <a:stretch>
+            <a:fillRect/>
+          </a:stretch>
+        </p:blipFill>
+        <p:spPr>
+          <a:xfrm>
+            <a:off x="7072948" y="452718"/>
+            <a:ext cx="2241152" cy="3984270"/>
+          </a:xfrm>
+          <a:prstGeom prst="rect">
+            <a:avLst/>
+          </a:prstGeom>
+        </p:spPr>
+      </p:pic>
     </p:spTree>
     <p:extLst>
       <p:ext uri="{BB962C8B-B14F-4D97-AF65-F5344CB8AC3E}">
         <p14:creationId xmlns:p14="http://schemas.microsoft.com/office/powerpoint/2010/main" val="3782835970"/>
-      </p:ext>
-    </p:extLst>
-  </p:cSld>
-  <p:clrMapOvr>
-    <a:masterClrMapping/>
-  </p:clrMapOvr>
-</p:sld>
-</file>
-
-<file path=ppt/slides/slide8.xml><?xml version="1.0" encoding="utf-8"?>
-<p:sld xmlns:a="http://schemas.openxmlformats.org/drawingml/2006/main" xmlns:r="http://schemas.openxmlformats.org/officeDocument/2006/relationships" xmlns:p="http://schemas.openxmlformats.org/presentationml/2006/main">
-  <p:cSld>
-    <p:spTree>
-      <p:nvGrpSpPr>
-        <p:cNvPr id="1" name=""/>
-        <p:cNvGrpSpPr/>
-        <p:nvPr/>
-      </p:nvGrpSpPr>
-      <p:grpSpPr>
-        <a:xfrm>
-          <a:off x="0" y="0"/>
-          <a:ext cx="0" cy="0"/>
-          <a:chOff x="0" y="0"/>
-          <a:chExt cx="0" cy="0"/>
-        </a:xfrm>
-      </p:grpSpPr>
-      <p:sp>
-        <p:nvSpPr>
-          <p:cNvPr id="2" name="Title 1">
-            <a:extLst>
-              <a:ext uri="{FF2B5EF4-FFF2-40B4-BE49-F238E27FC236}">
-                <a16:creationId xmlns:a16="http://schemas.microsoft.com/office/drawing/2014/main" id="{9286D28F-FC55-497B-83D9-D40218EB5E90}"/>
-              </a:ext>
-            </a:extLst>
-          </p:cNvPr>
-          <p:cNvSpPr>
-            <a:spLocks noGrp="1"/>
-          </p:cNvSpPr>
-          <p:nvPr>
-            <p:ph type="title"/>
-          </p:nvPr>
-        </p:nvSpPr>
-        <p:spPr/>
-        <p:txBody>
-          <a:bodyPr/>
-          <a:lstStyle/>
-          <a:p>
-            <a:r>
-              <a:rPr lang="en-US" dirty="0"/>
-              <a:t>Thanks for Listening! (watching?)</a:t>
-            </a:r>
-          </a:p>
-        </p:txBody>
-      </p:sp>
-      <p:sp>
-        <p:nvSpPr>
-          <p:cNvPr id="3" name="Content Placeholder 2">
-            <a:extLst>
-              <a:ext uri="{FF2B5EF4-FFF2-40B4-BE49-F238E27FC236}">
-                <a16:creationId xmlns:a16="http://schemas.microsoft.com/office/drawing/2014/main" id="{975327C2-7E99-4B7F-AD34-55EBB569C520}"/>
-              </a:ext>
-            </a:extLst>
-          </p:cNvPr>
-          <p:cNvSpPr>
-            <a:spLocks noGrp="1"/>
-          </p:cNvSpPr>
-          <p:nvPr>
-            <p:ph idx="1"/>
-          </p:nvPr>
-        </p:nvSpPr>
-        <p:spPr/>
-        <p:txBody>
-          <a:bodyPr/>
-          <a:lstStyle/>
-          <a:p>
-            <a:endParaRPr lang="en-US"/>
-          </a:p>
-        </p:txBody>
-      </p:sp>
-    </p:spTree>
-    <p:extLst>
-      <p:ext uri="{BB962C8B-B14F-4D97-AF65-F5344CB8AC3E}">
-        <p14:creationId xmlns:p14="http://schemas.microsoft.com/office/powerpoint/2010/main" val="2199711002"/>
       </p:ext>
     </p:extLst>
   </p:cSld>
